--- a/data/hplc/scutellaria_standard_reference_edited.pptx
+++ b/data/hplc/scutellaria_standard_reference_edited.pptx
@@ -210,7 +210,7 @@
           <a:p>
             <a:fld id="{91819C45-7A4E-4765-AEE7-78526F486CC6}" type="datetimeFigureOut">
               <a:rPr lang="en-US" smtClean="0"/>
-              <a:t>11/23/2021</a:t>
+              <a:t>11/25/2021</a:t>
             </a:fld>
             <a:endParaRPr lang="en-US"/>
           </a:p>
@@ -12877,7 +12877,7 @@
           <p:spPr>
             <a:xfrm>
               <a:off x="3909186" y="2704592"/>
-              <a:ext cx="1630680" cy="147955"/>
+              <a:ext cx="1630680" cy="136576"/>
             </a:xfrm>
             <a:prstGeom prst="rect">
               <a:avLst/>
@@ -12916,49 +12916,7 @@
                   <a:latin typeface="Arial"/>
                   <a:cs typeface="Arial"/>
                 </a:rPr>
-                <a:t>scutellarein 100%</a:t>
-              </a:r>
-              <a:r>
-                <a:rPr sz="800" spc="20" dirty="0">
-                  <a:latin typeface="Arial"/>
-                  <a:cs typeface="Arial"/>
-                </a:rPr>
-                <a:t> </a:t>
-              </a:r>
-              <a:r>
-                <a:rPr sz="800" spc="-5" dirty="0">
-                  <a:latin typeface="Arial"/>
-                  <a:cs typeface="Arial"/>
-                </a:rPr>
-                <a:t>at</a:t>
-              </a:r>
-              <a:r>
-                <a:rPr sz="800" spc="10" dirty="0">
-                  <a:latin typeface="Arial"/>
-                  <a:cs typeface="Arial"/>
-                </a:rPr>
-                <a:t> </a:t>
-              </a:r>
-              <a:r>
-                <a:rPr sz="800" spc="-5" dirty="0">
-                  <a:latin typeface="Arial"/>
-                  <a:cs typeface="Arial"/>
-                </a:rPr>
-                <a:t>6.19</a:t>
-              </a:r>
-              <a:r>
-                <a:rPr sz="800" spc="10" dirty="0">
-                  <a:latin typeface="Arial"/>
-                  <a:cs typeface="Arial"/>
-                </a:rPr>
-                <a:t> </a:t>
-              </a:r>
-              <a:r>
-                <a:rPr sz="800" spc="5" dirty="0">
-                  <a:latin typeface="Arial"/>
-                  <a:cs typeface="Arial"/>
-                </a:rPr>
-                <a:t>min</a:t>
+                <a:t>scutellarein</a:t>
               </a:r>
               <a:endParaRPr sz="800" dirty="0">
                 <a:latin typeface="Arial"/>
@@ -24141,7 +24099,7 @@
           <p:spPr>
             <a:xfrm>
               <a:off x="3898772" y="216535"/>
-              <a:ext cx="1705610" cy="147955"/>
+              <a:ext cx="1705610" cy="135935"/>
             </a:xfrm>
             <a:prstGeom prst="rect">
               <a:avLst/>
@@ -24180,49 +24138,14 @@
                   <a:latin typeface="Arial"/>
                   <a:cs typeface="Arial"/>
                 </a:rPr>
-                <a:t>hispiduloside</a:t>
-              </a:r>
-              <a:r>
-                <a:rPr sz="800" spc="-5" dirty="0">
-                  <a:latin typeface="Arial"/>
-                  <a:cs typeface="Arial"/>
-                </a:rPr>
-                <a:t> 100%</a:t>
-              </a:r>
-              <a:r>
-                <a:rPr sz="800" spc="15" dirty="0">
-                  <a:latin typeface="Arial"/>
-                  <a:cs typeface="Arial"/>
-                </a:rPr>
-                <a:t> </a:t>
-              </a:r>
-              <a:r>
-                <a:rPr sz="800" spc="-5" dirty="0">
-                  <a:latin typeface="Arial"/>
-                  <a:cs typeface="Arial"/>
-                </a:rPr>
-                <a:t>at</a:t>
-              </a:r>
-              <a:r>
-                <a:rPr sz="800" dirty="0">
-                  <a:latin typeface="Arial"/>
-                  <a:cs typeface="Arial"/>
-                </a:rPr>
-                <a:t> </a:t>
-              </a:r>
-              <a:r>
-                <a:rPr sz="800" spc="-5" dirty="0">
-                  <a:latin typeface="Arial"/>
-                  <a:cs typeface="Arial"/>
-                </a:rPr>
-                <a:t>4.99</a:t>
-              </a:r>
-              <a:r>
-                <a:rPr sz="800" spc="5" dirty="0">
-                  <a:latin typeface="Arial"/>
-                  <a:cs typeface="Arial"/>
-                </a:rPr>
-                <a:t> min</a:t>
+                <a:t>hispidulosid</a:t>
+              </a:r>
+              <a:r>
+                <a:rPr lang="en-US" sz="800" dirty="0">
+                  <a:latin typeface="Arial"/>
+                  <a:cs typeface="Arial"/>
+                </a:rPr>
+                <a:t>e</a:t>
               </a:r>
               <a:endParaRPr sz="800" dirty="0">
                 <a:latin typeface="Arial"/>
